--- a/Presentation/19juillet/Presentation-StageSwinburne-19Juillet.pptx
+++ b/Presentation/19juillet/Presentation-StageSwinburne-19Juillet.pptx
@@ -6831,7 +6831,7 @@
           <a:p>
             <a:r>
               <a:rPr lang="fr-FR" dirty="0" err="1" smtClean="0"/>
-              <a:t>Milling</a:t>
+              <a:t>Closing</a:t>
             </a:r>
             <a:r>
               <a:rPr lang="fr-FR" dirty="0" smtClean="0"/>
@@ -6839,13 +6839,210 @@
             </a:r>
             <a:r>
               <a:rPr lang="fr-FR" dirty="0" err="1" smtClean="0"/>
-              <a:t>through</a:t>
-            </a:r>
+              <a:t>holes</a:t>
+            </a:r>
+            <a:endParaRPr lang="fr-FR" dirty="0"/>
+          </a:p>
+        </p:txBody>
+      </p:sp>
+      <p:sp>
+        <p:nvSpPr>
+          <p:cNvPr id="2" name="ZoneTexte 1"/>
+          <p:cNvSpPr txBox="1"/>
+          <p:nvPr/>
+        </p:nvSpPr>
+        <p:spPr>
+          <a:xfrm>
+            <a:off x="6084168" y="1916832"/>
+            <a:ext cx="2880320" cy="923330"/>
+          </a:xfrm>
+          <a:prstGeom prst="rect">
+            <a:avLst/>
+          </a:prstGeom>
+          <a:noFill/>
+        </p:spPr>
+        <p:txBody>
+          <a:bodyPr wrap="square" rtlCol="0">
+            <a:spAutoFit/>
+          </a:bodyPr>
+          <a:lstStyle/>
+          <a:p>
             <a:r>
               <a:rPr lang="fr-FR" dirty="0" smtClean="0"/>
-              <a:t> the membrane</a:t>
-            </a:r>
+              <a:t>Successive SEM scans </a:t>
+            </a:r>
+            <a:r>
+              <a:rPr lang="fr-FR" dirty="0" err="1" smtClean="0"/>
+              <a:t>can</a:t>
+            </a:r>
+            <a:r>
+              <a:rPr lang="fr-FR" dirty="0" smtClean="0"/>
+              <a:t> </a:t>
+            </a:r>
+            <a:r>
+              <a:rPr lang="fr-FR" dirty="0" err="1" smtClean="0"/>
+              <a:t>slowly</a:t>
+            </a:r>
+            <a:r>
+              <a:rPr lang="fr-FR" dirty="0" smtClean="0"/>
+              <a:t> close the </a:t>
+            </a:r>
+            <a:r>
+              <a:rPr lang="fr-FR" dirty="0" err="1" smtClean="0"/>
+              <a:t>holes</a:t>
+            </a:r>
+            <a:r>
+              <a:rPr lang="fr-FR" dirty="0" smtClean="0"/>
+              <a:t>.</a:t>
+            </a:r>
+            <a:br>
+              <a:rPr lang="fr-FR" dirty="0" smtClean="0"/>
+            </a:br>
             <a:endParaRPr lang="fr-FR" dirty="0"/>
+          </a:p>
+        </p:txBody>
+      </p:sp>
+      <p:pic>
+        <p:nvPicPr>
+          <p:cNvPr id="1027" name="Picture 3"/>
+          <p:cNvPicPr>
+            <a:picLocks noChangeAspect="1" noChangeArrowheads="1"/>
+          </p:cNvPicPr>
+          <p:nvPr/>
+        </p:nvPicPr>
+        <p:blipFill>
+          <a:blip r:embed="rId2">
+            <a:extLst>
+              <a:ext uri="{28A0092B-C50C-407E-A947-70E740481C1C}">
+                <a14:useLocalDpi xmlns:a14="http://schemas.microsoft.com/office/drawing/2010/main" val="0"/>
+              </a:ext>
+            </a:extLst>
+          </a:blip>
+          <a:srcRect/>
+          <a:stretch>
+            <a:fillRect/>
+          </a:stretch>
+        </p:blipFill>
+        <p:spPr bwMode="auto">
+          <a:xfrm>
+            <a:off x="251520" y="1628800"/>
+            <a:ext cx="5697299" cy="3744416"/>
+          </a:xfrm>
+          <a:prstGeom prst="rect">
+            <a:avLst/>
+          </a:prstGeom>
+          <a:noFill/>
+          <a:ln>
+            <a:noFill/>
+          </a:ln>
+          <a:effectLst/>
+          <a:extLst>
+            <a:ext uri="{909E8E84-426E-40DD-AFC4-6F175D3DCCD1}">
+              <a14:hiddenFill xmlns:a14="http://schemas.microsoft.com/office/drawing/2010/main">
+                <a:solidFill>
+                  <a:schemeClr val="accent1"/>
+                </a:solidFill>
+              </a14:hiddenFill>
+            </a:ext>
+            <a:ext uri="{91240B29-F687-4F45-9708-019B960494DF}">
+              <a14:hiddenLine xmlns:a14="http://schemas.microsoft.com/office/drawing/2010/main" w="9525">
+                <a:solidFill>
+                  <a:schemeClr val="tx1"/>
+                </a:solidFill>
+                <a:miter lim="800000"/>
+                <a:headEnd/>
+                <a:tailEnd/>
+              </a14:hiddenLine>
+            </a:ext>
+            <a:ext uri="{AF507438-7753-43E0-B8FC-AC1667EBCBE1}">
+              <a14:hiddenEffects xmlns:a14="http://schemas.microsoft.com/office/drawing/2010/main">
+                <a:effectLst>
+                  <a:outerShdw dist="35921" dir="2700000" algn="ctr" rotWithShape="0">
+                    <a:schemeClr val="bg2"/>
+                  </a:outerShdw>
+                </a:effectLst>
+              </a14:hiddenEffects>
+            </a:ext>
+          </a:extLst>
+        </p:spPr>
+      </p:pic>
+      <p:sp>
+        <p:nvSpPr>
+          <p:cNvPr id="3" name="ZoneTexte 2"/>
+          <p:cNvSpPr txBox="1"/>
+          <p:nvPr/>
+        </p:nvSpPr>
+        <p:spPr>
+          <a:xfrm>
+            <a:off x="4192686" y="4283452"/>
+            <a:ext cx="724878" cy="369332"/>
+          </a:xfrm>
+          <a:prstGeom prst="rect">
+            <a:avLst/>
+          </a:prstGeom>
+          <a:noFill/>
+        </p:spPr>
+        <p:txBody>
+          <a:bodyPr wrap="none" rtlCol="0">
+            <a:spAutoFit/>
+          </a:bodyPr>
+          <a:lstStyle/>
+          <a:p>
+            <a:r>
+              <a:rPr lang="fr-FR" dirty="0" smtClean="0">
+                <a:solidFill>
+                  <a:schemeClr val="bg1"/>
+                </a:solidFill>
+                <a:latin typeface="Calibri" pitchFamily="34" charset="0"/>
+              </a:rPr>
+              <a:t>10nm</a:t>
+            </a:r>
+            <a:endParaRPr lang="fr-FR" dirty="0">
+              <a:solidFill>
+                <a:schemeClr val="bg1"/>
+              </a:solidFill>
+              <a:latin typeface="Calibri" pitchFamily="34" charset="0"/>
+            </a:endParaRPr>
+          </a:p>
+        </p:txBody>
+      </p:sp>
+      <p:sp>
+        <p:nvSpPr>
+          <p:cNvPr id="7" name="ZoneTexte 6"/>
+          <p:cNvSpPr txBox="1"/>
+          <p:nvPr/>
+        </p:nvSpPr>
+        <p:spPr>
+          <a:xfrm>
+            <a:off x="4139952" y="2132856"/>
+            <a:ext cx="724878" cy="369332"/>
+          </a:xfrm>
+          <a:prstGeom prst="rect">
+            <a:avLst/>
+          </a:prstGeom>
+          <a:noFill/>
+        </p:spPr>
+        <p:txBody>
+          <a:bodyPr wrap="none" rtlCol="0">
+            <a:spAutoFit/>
+          </a:bodyPr>
+          <a:lstStyle/>
+          <a:p>
+            <a:r>
+              <a:rPr lang="fr-FR" dirty="0" smtClean="0">
+                <a:solidFill>
+                  <a:schemeClr val="bg1"/>
+                </a:solidFill>
+                <a:latin typeface="Calibri" pitchFamily="34" charset="0"/>
+              </a:rPr>
+              <a:t>80nm</a:t>
+            </a:r>
+            <a:endParaRPr lang="fr-FR" dirty="0">
+              <a:solidFill>
+                <a:schemeClr val="bg1"/>
+              </a:solidFill>
+              <a:latin typeface="Calibri" pitchFamily="34" charset="0"/>
+            </a:endParaRPr>
           </a:p>
         </p:txBody>
       </p:sp>
@@ -6919,88 +7116,203 @@
             <p:ph sz="quarter" idx="1"/>
           </p:nvPr>
         </p:nvSpPr>
-        <p:spPr/>
-        <p:txBody>
-          <a:bodyPr/>
+        <p:spPr>
+          <a:xfrm>
+            <a:off x="323528" y="3140968"/>
+            <a:ext cx="8503920" cy="4572000"/>
+          </a:xfrm>
+        </p:spPr>
+        <p:txBody>
+          <a:bodyPr>
+            <a:normAutofit/>
+          </a:bodyPr>
           <a:lstStyle/>
           <a:p>
             <a:pPr marL="0" indent="0">
               <a:buNone/>
             </a:pPr>
             <a:r>
-              <a:rPr lang="fr-FR" dirty="0" err="1" smtClean="0"/>
-              <a:t>Next</a:t>
-            </a:r>
-            <a:r>
-              <a:rPr lang="fr-FR" dirty="0" smtClean="0"/>
+              <a:rPr lang="fr-FR" sz="2000" dirty="0" err="1" smtClean="0"/>
+              <a:t>Coming</a:t>
+            </a:r>
+            <a:r>
+              <a:rPr lang="fr-FR" sz="2000" dirty="0" smtClean="0"/>
               <a:t> </a:t>
             </a:r>
             <a:r>
-              <a:rPr lang="fr-FR" dirty="0" err="1" smtClean="0"/>
-              <a:t>weeks</a:t>
-            </a:r>
-            <a:r>
-              <a:rPr lang="fr-FR" dirty="0" smtClean="0"/>
+              <a:rPr lang="fr-FR" sz="2000" dirty="0" err="1" smtClean="0"/>
+              <a:t>soon</a:t>
+            </a:r>
+            <a:r>
+              <a:rPr lang="fr-FR" sz="2000" dirty="0" smtClean="0"/>
               <a:t>:</a:t>
             </a:r>
-          </a:p>
-          <a:p>
-            <a:r>
-              <a:rPr lang="fr-FR" dirty="0" smtClean="0"/>
-              <a:t>Use of SEM</a:t>
-            </a:r>
-          </a:p>
-          <a:p>
-            <a:r>
-              <a:rPr lang="fr-FR" dirty="0" smtClean="0"/>
-              <a:t>Use the 1 </a:t>
-            </a:r>
-            <a:r>
-              <a:rPr lang="fr-FR" dirty="0" err="1" smtClean="0"/>
-              <a:t>pA</a:t>
-            </a:r>
-            <a:r>
-              <a:rPr lang="fr-FR" dirty="0" smtClean="0"/>
+            <a:endParaRPr lang="fr-FR" sz="2000" dirty="0" smtClean="0"/>
+          </a:p>
+          <a:p>
+            <a:r>
+              <a:rPr lang="fr-FR" sz="2000" dirty="0" smtClean="0"/>
+              <a:t>Change </a:t>
+            </a:r>
+            <a:r>
+              <a:rPr lang="fr-FR" sz="2000" dirty="0" smtClean="0"/>
+              <a:t>the </a:t>
+            </a:r>
+            <a:r>
+              <a:rPr lang="fr-FR" sz="2000" dirty="0" err="1" smtClean="0"/>
+              <a:t>coating</a:t>
+            </a:r>
+            <a:r>
+              <a:rPr lang="fr-FR" sz="2000" dirty="0" smtClean="0"/>
+              <a:t> (10 nm </a:t>
+            </a:r>
+            <a:r>
+              <a:rPr lang="fr-FR" sz="2000" dirty="0" smtClean="0"/>
+              <a:t>Au)</a:t>
+            </a:r>
+          </a:p>
+          <a:p>
+            <a:r>
+              <a:rPr lang="fr-FR" sz="2000" dirty="0" err="1" smtClean="0"/>
+              <a:t>Array</a:t>
+            </a:r>
+            <a:r>
+              <a:rPr lang="fr-FR" sz="2000" dirty="0" smtClean="0"/>
+              <a:t> of </a:t>
+            </a:r>
+            <a:r>
+              <a:rPr lang="fr-FR" sz="2000" dirty="0" err="1" smtClean="0"/>
+              <a:t>nanoholes</a:t>
+            </a:r>
+            <a:r>
+              <a:rPr lang="fr-FR" sz="2000" dirty="0" smtClean="0"/>
+              <a:t> for microscope use</a:t>
+            </a:r>
+          </a:p>
+          <a:p>
+            <a:endParaRPr lang="fr-FR" sz="2000" dirty="0" smtClean="0"/>
+          </a:p>
+        </p:txBody>
+      </p:sp>
+      <p:sp>
+        <p:nvSpPr>
+          <p:cNvPr id="4" name="ZoneTexte 3"/>
+          <p:cNvSpPr txBox="1"/>
+          <p:nvPr/>
+        </p:nvSpPr>
+        <p:spPr>
+          <a:xfrm>
+            <a:off x="539552" y="1628800"/>
+            <a:ext cx="7776864" cy="707886"/>
+          </a:xfrm>
+          <a:prstGeom prst="rect">
+            <a:avLst/>
+          </a:prstGeom>
+          <a:noFill/>
+        </p:spPr>
+        <p:txBody>
+          <a:bodyPr wrap="square" rtlCol="0">
+            <a:spAutoFit/>
+          </a:bodyPr>
+          <a:lstStyle/>
+          <a:p>
+            <a:r>
+              <a:rPr lang="fr-FR" sz="2000" dirty="0" err="1" smtClean="0"/>
+              <a:t>We</a:t>
+            </a:r>
+            <a:r>
+              <a:rPr lang="fr-FR" sz="2000" dirty="0" smtClean="0"/>
               <a:t> </a:t>
             </a:r>
             <a:r>
-              <a:rPr lang="fr-FR" dirty="0" err="1" smtClean="0"/>
-              <a:t>column</a:t>
-            </a:r>
-            <a:endParaRPr lang="fr-FR" dirty="0" smtClean="0"/>
-          </a:p>
-          <a:p>
-            <a:r>
-              <a:rPr lang="fr-FR" dirty="0" smtClean="0"/>
-              <a:t>Change the </a:t>
-            </a:r>
-            <a:r>
-              <a:rPr lang="fr-FR" dirty="0" err="1" smtClean="0"/>
-              <a:t>coating</a:t>
-            </a:r>
-            <a:r>
-              <a:rPr lang="fr-FR" dirty="0" smtClean="0"/>
-              <a:t> (10 nm Cr)</a:t>
-            </a:r>
-          </a:p>
-          <a:p>
-            <a:r>
-              <a:rPr lang="fr-FR" dirty="0" err="1" smtClean="0"/>
-              <a:t>Milling</a:t>
-            </a:r>
-            <a:r>
-              <a:rPr lang="fr-FR" dirty="0" smtClean="0"/>
+              <a:rPr lang="fr-FR" sz="2000" dirty="0" err="1" smtClean="0"/>
+              <a:t>can</a:t>
+            </a:r>
+            <a:r>
+              <a:rPr lang="fr-FR" sz="2000" dirty="0" smtClean="0"/>
               <a:t> </a:t>
             </a:r>
             <a:r>
-              <a:rPr lang="fr-FR" dirty="0" err="1" smtClean="0"/>
-              <a:t>at</a:t>
-            </a:r>
-            <a:r>
-              <a:rPr lang="fr-FR" dirty="0" smtClean="0"/>
-              <a:t> angle</a:t>
-            </a:r>
-            <a:endParaRPr lang="fr-FR" dirty="0"/>
+              <a:rPr lang="fr-FR" sz="2000" dirty="0" err="1" smtClean="0"/>
+              <a:t>achieve</a:t>
+            </a:r>
+            <a:r>
+              <a:rPr lang="fr-FR" sz="2000" dirty="0" smtClean="0"/>
+              <a:t> </a:t>
+            </a:r>
+            <a:r>
+              <a:rPr lang="fr-FR" sz="2000" dirty="0" err="1" smtClean="0"/>
+              <a:t>very</a:t>
+            </a:r>
+            <a:r>
+              <a:rPr lang="fr-FR" sz="2000" dirty="0" smtClean="0"/>
+              <a:t> </a:t>
+            </a:r>
+            <a:r>
+              <a:rPr lang="fr-FR" sz="2000" dirty="0" err="1" smtClean="0"/>
+              <a:t>small</a:t>
+            </a:r>
+            <a:r>
+              <a:rPr lang="fr-FR" sz="2000" dirty="0" smtClean="0"/>
+              <a:t> </a:t>
+            </a:r>
+            <a:r>
+              <a:rPr lang="fr-FR" sz="2000" dirty="0" err="1" smtClean="0"/>
+              <a:t>hole</a:t>
+            </a:r>
+            <a:r>
+              <a:rPr lang="fr-FR" sz="2000" dirty="0" smtClean="0"/>
+              <a:t> size. The challenge </a:t>
+            </a:r>
+            <a:r>
+              <a:rPr lang="fr-FR" sz="2000" dirty="0" err="1" smtClean="0"/>
+              <a:t>is</a:t>
+            </a:r>
+            <a:r>
+              <a:rPr lang="fr-FR" sz="2000" dirty="0" smtClean="0"/>
+              <a:t> to </a:t>
+            </a:r>
+            <a:r>
+              <a:rPr lang="fr-FR" sz="2000" dirty="0" err="1" smtClean="0"/>
+              <a:t>measure</a:t>
+            </a:r>
+            <a:r>
+              <a:rPr lang="fr-FR" sz="2000" dirty="0" smtClean="0"/>
+              <a:t> </a:t>
+            </a:r>
+            <a:r>
+              <a:rPr lang="fr-FR" sz="2000" dirty="0" err="1" smtClean="0"/>
+              <a:t>them</a:t>
+            </a:r>
+            <a:r>
+              <a:rPr lang="fr-FR" sz="2000" dirty="0" smtClean="0"/>
+              <a:t>, and to </a:t>
+            </a:r>
+            <a:r>
+              <a:rPr lang="fr-FR" sz="2000" dirty="0" err="1" smtClean="0"/>
+              <a:t>get</a:t>
+            </a:r>
+            <a:r>
+              <a:rPr lang="fr-FR" sz="2000" dirty="0" smtClean="0"/>
+              <a:t> a </a:t>
+            </a:r>
+            <a:r>
+              <a:rPr lang="fr-FR" sz="2000" dirty="0" err="1" smtClean="0"/>
+              <a:t>better</a:t>
+            </a:r>
+            <a:r>
+              <a:rPr lang="fr-FR" sz="2000" dirty="0" smtClean="0"/>
+              <a:t> </a:t>
+            </a:r>
+            <a:r>
+              <a:rPr lang="fr-FR" sz="2000" dirty="0" err="1" smtClean="0"/>
+              <a:t>repeatibility</a:t>
+            </a:r>
+            <a:r>
+              <a:rPr lang="fr-FR" sz="2000" dirty="0" smtClean="0"/>
+              <a:t>.</a:t>
+            </a:r>
+            <a:endParaRPr lang="fr-FR" sz="2000" dirty="0"/>
           </a:p>
         </p:txBody>
       </p:sp>
@@ -7014,6 +7326,13 @@
   <p:clrMapOvr>
     <a:masterClrMapping/>
   </p:clrMapOvr>
+  <p:timing>
+    <p:tnLst>
+      <p:par>
+        <p:cTn id="1" dur="indefinite" restart="never" nodeType="tmRoot"/>
+      </p:par>
+    </p:tnLst>
+  </p:timing>
 </p:sld>
 </file>
 

--- a/Presentation/19juillet/Presentation-StageSwinburne-19Juillet.pptx
+++ b/Presentation/19juillet/Presentation-StageSwinburne-19Juillet.pptx
@@ -7,8 +7,9 @@
   <p:sldIdLst>
     <p:sldId id="256" r:id="rId2"/>
     <p:sldId id="267" r:id="rId3"/>
-    <p:sldId id="268" r:id="rId4"/>
-    <p:sldId id="264" r:id="rId5"/>
+    <p:sldId id="270" r:id="rId4"/>
+    <p:sldId id="269" r:id="rId5"/>
+    <p:sldId id="264" r:id="rId6"/>
   </p:sldIdLst>
   <p:sldSz cx="9144000" cy="6858000" type="screen4x3"/>
   <p:notesSz cx="6858000" cy="9144000"/>
@@ -107,6 +108,22 @@
       </a:defRPr>
     </a:lvl9pPr>
   </p:defaultTextStyle>
+  <p:extLst>
+    <p:ext uri="{EFAFB233-063F-42B5-8137-9DF3F51BA10A}">
+      <p15:sldGuideLst xmlns:p15="http://schemas.microsoft.com/office/powerpoint/2012/main">
+        <p15:guide id="1" orient="horz" pos="2160">
+          <p15:clr>
+            <a:srgbClr val="A4A3A4"/>
+          </p15:clr>
+        </p15:guide>
+        <p15:guide id="2" pos="2880">
+          <p15:clr>
+            <a:srgbClr val="A4A3A4"/>
+          </p15:clr>
+        </p15:guide>
+      </p15:sldGuideLst>
+    </p:ext>
+  </p:extLst>
 </p:presentation>
 </file>
 
@@ -619,7 +636,7 @@
           <a:p>
             <a:fld id="{CF4668DC-857F-487D-BFFA-8C0CA5037977}" type="slidenum">
               <a:rPr lang="fr-BE" smtClean="0"/>
-              <a:t>‹N°›</a:t>
+              <a:t>‹#›</a:t>
             </a:fld>
             <a:endParaRPr lang="fr-BE"/>
           </a:p>
@@ -825,7 +842,7 @@
           <a:p>
             <a:fld id="{CF4668DC-857F-487D-BFFA-8C0CA5037977}" type="slidenum">
               <a:rPr lang="fr-BE" smtClean="0"/>
-              <a:t>‹N°›</a:t>
+              <a:t>‹#›</a:t>
             </a:fld>
             <a:endParaRPr lang="fr-BE"/>
           </a:p>
@@ -1235,7 +1252,7 @@
           <a:p>
             <a:fld id="{CF4668DC-857F-487D-BFFA-8C0CA5037977}" type="slidenum">
               <a:rPr lang="fr-BE" smtClean="0"/>
-              <a:t>‹N°›</a:t>
+              <a:t>‹#›</a:t>
             </a:fld>
             <a:endParaRPr lang="fr-BE"/>
           </a:p>
@@ -1495,7 +1512,7 @@
           <a:p>
             <a:fld id="{CF4668DC-857F-487D-BFFA-8C0CA5037977}" type="slidenum">
               <a:rPr lang="fr-BE" smtClean="0"/>
-              <a:t>‹N°›</a:t>
+              <a:t>‹#›</a:t>
             </a:fld>
             <a:endParaRPr lang="fr-BE"/>
           </a:p>
@@ -2163,7 +2180,7 @@
           <a:p>
             <a:fld id="{CF4668DC-857F-487D-BFFA-8C0CA5037977}" type="slidenum">
               <a:rPr lang="fr-BE" smtClean="0"/>
-              <a:t>‹N°›</a:t>
+              <a:t>‹#›</a:t>
             </a:fld>
             <a:endParaRPr lang="fr-BE"/>
           </a:p>
@@ -2328,7 +2345,7 @@
           <a:p>
             <a:fld id="{CF4668DC-857F-487D-BFFA-8C0CA5037977}" type="slidenum">
               <a:rPr lang="fr-BE" smtClean="0"/>
-              <a:t>‹N°›</a:t>
+              <a:t>‹#›</a:t>
             </a:fld>
             <a:endParaRPr lang="fr-BE"/>
           </a:p>
@@ -3287,7 +3304,7 @@
           <a:p>
             <a:fld id="{CF4668DC-857F-487D-BFFA-8C0CA5037977}" type="slidenum">
               <a:rPr lang="fr-BE" smtClean="0"/>
-              <a:t>‹N°›</a:t>
+              <a:t>‹#›</a:t>
             </a:fld>
             <a:endParaRPr lang="fr-BE"/>
           </a:p>
@@ -3428,7 +3445,7 @@
           <a:p>
             <a:fld id="{CF4668DC-857F-487D-BFFA-8C0CA5037977}" type="slidenum">
               <a:rPr lang="fr-BE" smtClean="0"/>
-              <a:t>‹N°›</a:t>
+              <a:t>‹#›</a:t>
             </a:fld>
             <a:endParaRPr lang="fr-BE"/>
           </a:p>
@@ -3749,7 +3766,7 @@
           <a:p>
             <a:fld id="{CF4668DC-857F-487D-BFFA-8C0CA5037977}" type="slidenum">
               <a:rPr lang="fr-BE" smtClean="0"/>
-              <a:t>‹N°›</a:t>
+              <a:t>‹#›</a:t>
             </a:fld>
             <a:endParaRPr lang="fr-BE"/>
           </a:p>
@@ -4367,7 +4384,7 @@
           <a:p>
             <a:fld id="{CF4668DC-857F-487D-BFFA-8C0CA5037977}" type="slidenum">
               <a:rPr lang="fr-BE" smtClean="0"/>
-              <a:t>‹N°›</a:t>
+              <a:t>‹#›</a:t>
             </a:fld>
             <a:endParaRPr lang="fr-BE"/>
           </a:p>
@@ -4901,7 +4918,7 @@
           <a:p>
             <a:fld id="{CF4668DC-857F-487D-BFFA-8C0CA5037977}" type="slidenum">
               <a:rPr lang="fr-BE" smtClean="0"/>
-              <a:t>‹N°›</a:t>
+              <a:t>‹#›</a:t>
             </a:fld>
             <a:endParaRPr lang="fr-BE"/>
           </a:p>
@@ -5613,7 +5630,7 @@
           <a:p>
             <a:fld id="{CF4668DC-857F-487D-BFFA-8C0CA5037977}" type="slidenum">
               <a:rPr lang="fr-BE" smtClean="0"/>
-              <a:t>‹N°›</a:t>
+              <a:t>‹#›</a:t>
             </a:fld>
             <a:endParaRPr lang="fr-BE"/>
           </a:p>
@@ -7049,7 +7066,7 @@
     </p:spTree>
     <p:extLst>
       <p:ext uri="{BB962C8B-B14F-4D97-AF65-F5344CB8AC3E}">
-        <p14:creationId xmlns:p14="http://schemas.microsoft.com/office/powerpoint/2010/main" val="3252430335"/>
+        <p14:creationId xmlns:p14="http://schemas.microsoft.com/office/powerpoint/2010/main" val="630668850"/>
       </p:ext>
     </p:extLst>
   </p:cSld>
@@ -7085,7 +7102,7 @@
       </p:grpSpPr>
       <p:sp>
         <p:nvSpPr>
-          <p:cNvPr id="2" name="Titre 1"/>
+          <p:cNvPr id="4" name="Titre 1"/>
           <p:cNvSpPr>
             <a:spLocks noGrp="1"/>
           </p:cNvSpPr>
@@ -7093,6 +7110,533 @@
             <p:ph type="title"/>
           </p:nvPr>
         </p:nvSpPr>
+        <p:spPr>
+          <a:xfrm>
+            <a:off x="301752" y="228600"/>
+            <a:ext cx="8590728" cy="758952"/>
+          </a:xfrm>
+        </p:spPr>
+        <p:txBody>
+          <a:bodyPr>
+            <a:normAutofit fontScale="90000"/>
+          </a:bodyPr>
+          <a:lstStyle/>
+          <a:p>
+            <a:r>
+              <a:rPr lang="fr-FR" dirty="0" smtClean="0"/>
+              <a:t>FLIM (fluorescence </a:t>
+            </a:r>
+            <a:r>
+              <a:rPr lang="fr-FR" dirty="0" err="1" smtClean="0"/>
+              <a:t>lifetime</a:t>
+            </a:r>
+            <a:r>
+              <a:rPr lang="fr-FR" dirty="0"/>
+              <a:t> </a:t>
+            </a:r>
+            <a:r>
+              <a:rPr lang="fr-FR" dirty="0" err="1"/>
+              <a:t>imaging</a:t>
+            </a:r>
+            <a:r>
+              <a:rPr lang="fr-FR" dirty="0"/>
+              <a:t> </a:t>
+            </a:r>
+            <a:r>
+              <a:rPr lang="fr-FR" dirty="0" err="1"/>
+              <a:t>microscopy</a:t>
+            </a:r>
+            <a:r>
+              <a:rPr lang="fr-FR" dirty="0"/>
+              <a:t> )</a:t>
+            </a:r>
+            <a:endParaRPr lang="fr-FR" dirty="0"/>
+          </a:p>
+        </p:txBody>
+      </p:sp>
+      <p:pic>
+        <p:nvPicPr>
+          <p:cNvPr id="5" name="Image 4"/>
+          <p:cNvPicPr>
+            <a:picLocks noChangeAspect="1"/>
+          </p:cNvPicPr>
+          <p:nvPr/>
+        </p:nvPicPr>
+        <p:blipFill>
+          <a:blip r:embed="rId2">
+            <a:extLst>
+              <a:ext uri="{28A0092B-C50C-407E-A947-70E740481C1C}">
+                <a14:useLocalDpi xmlns:a14="http://schemas.microsoft.com/office/drawing/2010/main" val="0"/>
+              </a:ext>
+            </a:extLst>
+          </a:blip>
+          <a:stretch>
+            <a:fillRect/>
+          </a:stretch>
+        </p:blipFill>
+        <p:spPr>
+          <a:xfrm>
+            <a:off x="2027438" y="1484784"/>
+            <a:ext cx="5139356" cy="4749905"/>
+          </a:xfrm>
+          <a:prstGeom prst="rect">
+            <a:avLst/>
+          </a:prstGeom>
+          <a:ln w="9525">
+            <a:solidFill>
+              <a:schemeClr val="tx2"/>
+            </a:solidFill>
+          </a:ln>
+        </p:spPr>
+      </p:pic>
+      <p:sp>
+        <p:nvSpPr>
+          <p:cNvPr id="6" name="Accolade ouvrante 5"/>
+          <p:cNvSpPr/>
+          <p:nvPr/>
+        </p:nvSpPr>
+        <p:spPr>
+          <a:xfrm>
+            <a:off x="1331640" y="4149080"/>
+            <a:ext cx="504056" cy="2085609"/>
+          </a:xfrm>
+          <a:prstGeom prst="leftBrace">
+            <a:avLst/>
+          </a:prstGeom>
+          <a:ln w="41275">
+            <a:solidFill>
+              <a:schemeClr val="tx2"/>
+            </a:solidFill>
+          </a:ln>
+        </p:spPr>
+        <p:style>
+          <a:lnRef idx="1">
+            <a:schemeClr val="accent1"/>
+          </a:lnRef>
+          <a:fillRef idx="0">
+            <a:schemeClr val="accent1"/>
+          </a:fillRef>
+          <a:effectRef idx="0">
+            <a:schemeClr val="accent1"/>
+          </a:effectRef>
+          <a:fontRef idx="minor">
+            <a:schemeClr val="tx1"/>
+          </a:fontRef>
+        </p:style>
+        <p:txBody>
+          <a:bodyPr rtlCol="0" anchor="ctr"/>
+          <a:lstStyle/>
+          <a:p>
+            <a:pPr algn="ctr"/>
+            <a:endParaRPr lang="fr-FR"/>
+          </a:p>
+        </p:txBody>
+      </p:sp>
+      <p:sp>
+        <p:nvSpPr>
+          <p:cNvPr id="9" name="Accolade ouvrante 8"/>
+          <p:cNvSpPr/>
+          <p:nvPr/>
+        </p:nvSpPr>
+        <p:spPr>
+          <a:xfrm>
+            <a:off x="1331640" y="1525511"/>
+            <a:ext cx="504056" cy="2085609"/>
+          </a:xfrm>
+          <a:prstGeom prst="leftBrace">
+            <a:avLst/>
+          </a:prstGeom>
+          <a:ln w="41275">
+            <a:solidFill>
+              <a:schemeClr val="tx2"/>
+            </a:solidFill>
+          </a:ln>
+        </p:spPr>
+        <p:style>
+          <a:lnRef idx="1">
+            <a:schemeClr val="accent1"/>
+          </a:lnRef>
+          <a:fillRef idx="0">
+            <a:schemeClr val="accent1"/>
+          </a:fillRef>
+          <a:effectRef idx="0">
+            <a:schemeClr val="accent1"/>
+          </a:effectRef>
+          <a:fontRef idx="minor">
+            <a:schemeClr val="tx1"/>
+          </a:fontRef>
+        </p:style>
+        <p:txBody>
+          <a:bodyPr rtlCol="0" anchor="ctr"/>
+          <a:lstStyle/>
+          <a:p>
+            <a:pPr algn="ctr"/>
+            <a:endParaRPr lang="fr-FR"/>
+          </a:p>
+        </p:txBody>
+      </p:sp>
+      <p:sp>
+        <p:nvSpPr>
+          <p:cNvPr id="8" name="ZoneTexte 7"/>
+          <p:cNvSpPr txBox="1"/>
+          <p:nvPr/>
+        </p:nvSpPr>
+        <p:spPr>
+          <a:xfrm rot="16200000">
+            <a:off x="191496" y="2337483"/>
+            <a:ext cx="1851789" cy="461665"/>
+          </a:xfrm>
+          <a:prstGeom prst="rect">
+            <a:avLst/>
+          </a:prstGeom>
+          <a:noFill/>
+        </p:spPr>
+        <p:txBody>
+          <a:bodyPr wrap="none" rtlCol="0">
+            <a:spAutoFit/>
+          </a:bodyPr>
+          <a:lstStyle/>
+          <a:p>
+            <a:r>
+              <a:rPr lang="fr-FR" sz="2400" dirty="0" smtClean="0">
+                <a:solidFill>
+                  <a:schemeClr val="tx2">
+                    <a:lumMod val="75000"/>
+                  </a:schemeClr>
+                </a:solidFill>
+              </a:rPr>
+              <a:t>50 nm </a:t>
+            </a:r>
+            <a:r>
+              <a:rPr lang="fr-FR" sz="2400" dirty="0" err="1" smtClean="0">
+                <a:solidFill>
+                  <a:schemeClr val="tx2">
+                    <a:lumMod val="75000"/>
+                  </a:schemeClr>
+                </a:solidFill>
+              </a:rPr>
+              <a:t>holes</a:t>
+            </a:r>
+            <a:endParaRPr lang="fr-FR" sz="2400" dirty="0">
+              <a:solidFill>
+                <a:schemeClr val="tx2">
+                  <a:lumMod val="75000"/>
+                </a:schemeClr>
+              </a:solidFill>
+            </a:endParaRPr>
+          </a:p>
+        </p:txBody>
+      </p:sp>
+      <p:sp>
+        <p:nvSpPr>
+          <p:cNvPr id="11" name="ZoneTexte 10"/>
+          <p:cNvSpPr txBox="1"/>
+          <p:nvPr/>
+        </p:nvSpPr>
+        <p:spPr>
+          <a:xfrm rot="16200000">
+            <a:off x="170104" y="4961051"/>
+            <a:ext cx="1861407" cy="461665"/>
+          </a:xfrm>
+          <a:prstGeom prst="rect">
+            <a:avLst/>
+          </a:prstGeom>
+          <a:noFill/>
+        </p:spPr>
+        <p:txBody>
+          <a:bodyPr wrap="none" rtlCol="0">
+            <a:spAutoFit/>
+          </a:bodyPr>
+          <a:lstStyle/>
+          <a:p>
+            <a:r>
+              <a:rPr lang="fr-FR" sz="2400" dirty="0">
+                <a:solidFill>
+                  <a:schemeClr val="tx2">
+                    <a:lumMod val="75000"/>
+                  </a:schemeClr>
+                </a:solidFill>
+              </a:rPr>
+              <a:t>2</a:t>
+            </a:r>
+            <a:r>
+              <a:rPr lang="fr-FR" sz="2400" dirty="0" smtClean="0">
+                <a:solidFill>
+                  <a:schemeClr val="tx2">
+                    <a:lumMod val="75000"/>
+                  </a:schemeClr>
+                </a:solidFill>
+              </a:rPr>
+              <a:t>0 nm </a:t>
+            </a:r>
+            <a:r>
+              <a:rPr lang="fr-FR" sz="2400" dirty="0" err="1" smtClean="0">
+                <a:solidFill>
+                  <a:schemeClr val="tx2">
+                    <a:lumMod val="75000"/>
+                  </a:schemeClr>
+                </a:solidFill>
+              </a:rPr>
+              <a:t>holes</a:t>
+            </a:r>
+            <a:endParaRPr lang="fr-FR" sz="2400" dirty="0">
+              <a:solidFill>
+                <a:schemeClr val="tx2">
+                  <a:lumMod val="75000"/>
+                </a:schemeClr>
+              </a:solidFill>
+            </a:endParaRPr>
+          </a:p>
+        </p:txBody>
+      </p:sp>
+      <p:sp>
+        <p:nvSpPr>
+          <p:cNvPr id="10" name="ZoneTexte 9"/>
+          <p:cNvSpPr txBox="1"/>
+          <p:nvPr/>
+        </p:nvSpPr>
+        <p:spPr>
+          <a:xfrm>
+            <a:off x="2267744" y="3686256"/>
+            <a:ext cx="1566454" cy="369332"/>
+          </a:xfrm>
+          <a:prstGeom prst="rect">
+            <a:avLst/>
+          </a:prstGeom>
+          <a:noFill/>
+        </p:spPr>
+        <p:txBody>
+          <a:bodyPr wrap="none" rtlCol="0">
+            <a:spAutoFit/>
+          </a:bodyPr>
+          <a:lstStyle/>
+          <a:p>
+            <a:r>
+              <a:rPr lang="fr-FR" dirty="0" err="1" smtClean="0">
+                <a:solidFill>
+                  <a:schemeClr val="tx2">
+                    <a:lumMod val="75000"/>
+                  </a:schemeClr>
+                </a:solidFill>
+              </a:rPr>
+              <a:t>Step</a:t>
+            </a:r>
+            <a:r>
+              <a:rPr lang="fr-FR" dirty="0" smtClean="0">
+                <a:solidFill>
+                  <a:schemeClr val="tx2">
+                    <a:lumMod val="75000"/>
+                  </a:schemeClr>
+                </a:solidFill>
+              </a:rPr>
+              <a:t>: 500 nm</a:t>
+            </a:r>
+            <a:endParaRPr lang="fr-FR" dirty="0">
+              <a:solidFill>
+                <a:schemeClr val="tx2">
+                  <a:lumMod val="75000"/>
+                </a:schemeClr>
+              </a:solidFill>
+            </a:endParaRPr>
+          </a:p>
+        </p:txBody>
+      </p:sp>
+      <p:sp>
+        <p:nvSpPr>
+          <p:cNvPr id="13" name="ZoneTexte 12"/>
+          <p:cNvSpPr txBox="1"/>
+          <p:nvPr/>
+        </p:nvSpPr>
+        <p:spPr>
+          <a:xfrm>
+            <a:off x="4788024" y="3940224"/>
+            <a:ext cx="989373" cy="369332"/>
+          </a:xfrm>
+          <a:prstGeom prst="rect">
+            <a:avLst/>
+          </a:prstGeom>
+          <a:noFill/>
+        </p:spPr>
+        <p:txBody>
+          <a:bodyPr wrap="none" rtlCol="0">
+            <a:spAutoFit/>
+          </a:bodyPr>
+          <a:lstStyle/>
+          <a:p>
+            <a:r>
+              <a:rPr lang="fr-FR">
+                <a:solidFill>
+                  <a:schemeClr val="tx2">
+                    <a:lumMod val="75000"/>
+                  </a:schemeClr>
+                </a:solidFill>
+              </a:rPr>
+              <a:t>3</a:t>
+            </a:r>
+            <a:r>
+              <a:rPr lang="fr-FR" smtClean="0">
+                <a:solidFill>
+                  <a:schemeClr val="tx2">
+                    <a:lumMod val="75000"/>
+                  </a:schemeClr>
+                </a:solidFill>
+              </a:rPr>
+              <a:t>00 </a:t>
+            </a:r>
+            <a:r>
+              <a:rPr lang="fr-FR" dirty="0" smtClean="0">
+                <a:solidFill>
+                  <a:schemeClr val="tx2">
+                    <a:lumMod val="75000"/>
+                  </a:schemeClr>
+                </a:solidFill>
+              </a:rPr>
+              <a:t>nm</a:t>
+            </a:r>
+            <a:endParaRPr lang="fr-FR" dirty="0">
+              <a:solidFill>
+                <a:schemeClr val="tx2">
+                  <a:lumMod val="75000"/>
+                </a:schemeClr>
+              </a:solidFill>
+            </a:endParaRPr>
+          </a:p>
+        </p:txBody>
+      </p:sp>
+      <p:sp>
+        <p:nvSpPr>
+          <p:cNvPr id="14" name="ZoneTexte 13"/>
+          <p:cNvSpPr txBox="1"/>
+          <p:nvPr/>
+        </p:nvSpPr>
+        <p:spPr>
+          <a:xfrm>
+            <a:off x="6204672" y="4333746"/>
+            <a:ext cx="962122" cy="369332"/>
+          </a:xfrm>
+          <a:prstGeom prst="rect">
+            <a:avLst/>
+          </a:prstGeom>
+          <a:noFill/>
+        </p:spPr>
+        <p:txBody>
+          <a:bodyPr wrap="none" rtlCol="0">
+            <a:spAutoFit/>
+          </a:bodyPr>
+          <a:lstStyle/>
+          <a:p>
+            <a:pPr algn="ctr"/>
+            <a:r>
+              <a:rPr lang="fr-FR" smtClean="0">
+                <a:solidFill>
+                  <a:schemeClr val="tx2">
+                    <a:lumMod val="75000"/>
+                  </a:schemeClr>
+                </a:solidFill>
+              </a:rPr>
+              <a:t>100 </a:t>
+            </a:r>
+            <a:r>
+              <a:rPr lang="fr-FR" dirty="0" smtClean="0">
+                <a:solidFill>
+                  <a:schemeClr val="tx2">
+                    <a:lumMod val="75000"/>
+                  </a:schemeClr>
+                </a:solidFill>
+              </a:rPr>
+              <a:t>nm</a:t>
+            </a:r>
+            <a:endParaRPr lang="fr-FR" dirty="0">
+              <a:solidFill>
+                <a:schemeClr val="tx2">
+                  <a:lumMod val="75000"/>
+                </a:schemeClr>
+              </a:solidFill>
+            </a:endParaRPr>
+          </a:p>
+        </p:txBody>
+      </p:sp>
+      <p:sp>
+        <p:nvSpPr>
+          <p:cNvPr id="12" name="ZoneTexte 11"/>
+          <p:cNvSpPr txBox="1"/>
+          <p:nvPr/>
+        </p:nvSpPr>
+        <p:spPr>
+          <a:xfrm>
+            <a:off x="7524328" y="2348880"/>
+            <a:ext cx="1375698" cy="369332"/>
+          </a:xfrm>
+          <a:prstGeom prst="rect">
+            <a:avLst/>
+          </a:prstGeom>
+          <a:noFill/>
+        </p:spPr>
+        <p:txBody>
+          <a:bodyPr wrap="none" rtlCol="0">
+            <a:spAutoFit/>
+          </a:bodyPr>
+          <a:lstStyle/>
+          <a:p>
+            <a:r>
+              <a:rPr lang="fr-FR" dirty="0" smtClean="0"/>
+              <a:t>10x10 </a:t>
+            </a:r>
+            <a:r>
+              <a:rPr lang="fr-FR" dirty="0" err="1" smtClean="0"/>
+              <a:t>holes</a:t>
+            </a:r>
+            <a:endParaRPr lang="fr-FR" dirty="0"/>
+          </a:p>
+        </p:txBody>
+      </p:sp>
+    </p:spTree>
+    <p:extLst>
+      <p:ext uri="{BB962C8B-B14F-4D97-AF65-F5344CB8AC3E}">
+        <p14:creationId xmlns:p14="http://schemas.microsoft.com/office/powerpoint/2010/main" val="1186452551"/>
+      </p:ext>
+    </p:extLst>
+  </p:cSld>
+  <p:clrMapOvr>
+    <a:masterClrMapping/>
+  </p:clrMapOvr>
+  <p:timing>
+    <p:tnLst>
+      <p:par>
+        <p:cTn id="1" dur="indefinite" restart="never" nodeType="tmRoot"/>
+      </p:par>
+    </p:tnLst>
+  </p:timing>
+</p:sld>
+</file>
+
+<file path=ppt/slides/slide5.xml><?xml version="1.0" encoding="utf-8"?>
+<p:sld xmlns:a="http://schemas.openxmlformats.org/drawingml/2006/main" xmlns:r="http://schemas.openxmlformats.org/officeDocument/2006/relationships" xmlns:p="http://schemas.openxmlformats.org/presentationml/2006/main">
+  <p:cSld>
+    <p:spTree>
+      <p:nvGrpSpPr>
+        <p:cNvPr id="1" name=""/>
+        <p:cNvGrpSpPr/>
+        <p:nvPr/>
+      </p:nvGrpSpPr>
+      <p:grpSpPr>
+        <a:xfrm>
+          <a:off x="0" y="0"/>
+          <a:ext cx="0" cy="0"/>
+          <a:chOff x="0" y="0"/>
+          <a:chExt cx="0" cy="0"/>
+        </a:xfrm>
+      </p:grpSpPr>
+      <p:sp>
+        <p:nvSpPr>
+          <p:cNvPr id="2" name="Titre 1"/>
+          <p:cNvSpPr>
+            <a:spLocks noGrp="1"/>
+          </p:cNvSpPr>
+          <p:nvPr>
+            <p:ph type="title"/>
+          </p:nvPr>
+        </p:nvSpPr>
         <p:spPr/>
         <p:txBody>
           <a:bodyPr/>
@@ -7147,16 +7691,11 @@
               <a:rPr lang="fr-FR" sz="2000" dirty="0" smtClean="0"/>
               <a:t>:</a:t>
             </a:r>
-            <a:endParaRPr lang="fr-FR" sz="2000" dirty="0" smtClean="0"/>
           </a:p>
           <a:p>
             <a:r>
               <a:rPr lang="fr-FR" sz="2000" dirty="0" smtClean="0"/>
-              <a:t>Change </a:t>
-            </a:r>
-            <a:r>
-              <a:rPr lang="fr-FR" sz="2000" dirty="0" smtClean="0"/>
-              <a:t>the </a:t>
+              <a:t>Change the </a:t>
             </a:r>
             <a:r>
               <a:rPr lang="fr-FR" sz="2000" dirty="0" err="1" smtClean="0"/>
@@ -7164,11 +7703,7 @@
             </a:r>
             <a:r>
               <a:rPr lang="fr-FR" sz="2000" dirty="0" smtClean="0"/>
-              <a:t> (10 nm </a:t>
-            </a:r>
-            <a:r>
-              <a:rPr lang="fr-FR" sz="2000" dirty="0" smtClean="0"/>
-              <a:t>Au)</a:t>
+              <a:t> (10 nm Au)</a:t>
             </a:r>
           </a:p>
           <a:p>

--- a/Presentation/19juillet/Presentation-StageSwinburne-19Juillet.pptx
+++ b/Presentation/19juillet/Presentation-StageSwinburne-19Juillet.pptx
@@ -9,7 +9,8 @@
     <p:sldId id="267" r:id="rId3"/>
     <p:sldId id="270" r:id="rId4"/>
     <p:sldId id="269" r:id="rId5"/>
-    <p:sldId id="264" r:id="rId6"/>
+    <p:sldId id="271" r:id="rId6"/>
+    <p:sldId id="264" r:id="rId7"/>
   </p:sldIdLst>
   <p:sldSz cx="9144000" cy="6858000" type="screen4x3"/>
   <p:notesSz cx="6858000" cy="9144000"/>
@@ -110,7 +111,7 @@
   </p:defaultTextStyle>
   <p:extLst>
     <p:ext uri="{EFAFB233-063F-42B5-8137-9DF3F51BA10A}">
-      <p15:sldGuideLst xmlns:p15="http://schemas.microsoft.com/office/powerpoint/2012/main">
+      <p15:sldGuideLst xmlns:p15="http://schemas.microsoft.com/office/powerpoint/2012/main" xmlns="">
         <p15:guide id="1" orient="horz" pos="2160">
           <p15:clr>
             <a:srgbClr val="A4A3A4"/>
@@ -407,7 +408,7 @@
           <a:p>
             <a:fld id="{AA309A6D-C09C-4548-B29A-6CF363A7E532}" type="datetimeFigureOut">
               <a:rPr lang="fr-FR" smtClean="0"/>
-              <a:t>19/07/2016</a:t>
+              <a:t>20/07/2016</a:t>
             </a:fld>
             <a:endParaRPr lang="fr-BE"/>
           </a:p>
@@ -636,7 +637,7 @@
           <a:p>
             <a:fld id="{CF4668DC-857F-487D-BFFA-8C0CA5037977}" type="slidenum">
               <a:rPr lang="fr-BE" smtClean="0"/>
-              <a:t>‹#›</a:t>
+              <a:t>‹N°›</a:t>
             </a:fld>
             <a:endParaRPr lang="fr-BE"/>
           </a:p>
@@ -800,7 +801,7 @@
           <a:p>
             <a:fld id="{AA309A6D-C09C-4548-B29A-6CF363A7E532}" type="datetimeFigureOut">
               <a:rPr lang="fr-FR" smtClean="0"/>
-              <a:t>19/07/2016</a:t>
+              <a:t>20/07/2016</a:t>
             </a:fld>
             <a:endParaRPr lang="fr-BE"/>
           </a:p>
@@ -842,7 +843,7 @@
           <a:p>
             <a:fld id="{CF4668DC-857F-487D-BFFA-8C0CA5037977}" type="slidenum">
               <a:rPr lang="fr-BE" smtClean="0"/>
-              <a:t>‹#›</a:t>
+              <a:t>‹N°›</a:t>
             </a:fld>
             <a:endParaRPr lang="fr-BE"/>
           </a:p>
@@ -1252,7 +1253,7 @@
           <a:p>
             <a:fld id="{CF4668DC-857F-487D-BFFA-8C0CA5037977}" type="slidenum">
               <a:rPr lang="fr-BE" smtClean="0"/>
-              <a:t>‹#›</a:t>
+              <a:t>‹N°›</a:t>
             </a:fld>
             <a:endParaRPr lang="fr-BE"/>
           </a:p>
@@ -1332,7 +1333,7 @@
           <a:p>
             <a:fld id="{AA309A6D-C09C-4548-B29A-6CF363A7E532}" type="datetimeFigureOut">
               <a:rPr lang="fr-FR" smtClean="0"/>
-              <a:t>19/07/2016</a:t>
+              <a:t>20/07/2016</a:t>
             </a:fld>
             <a:endParaRPr lang="fr-BE"/>
           </a:p>
@@ -1465,7 +1466,7 @@
           <a:p>
             <a:fld id="{AA309A6D-C09C-4548-B29A-6CF363A7E532}" type="datetimeFigureOut">
               <a:rPr lang="fr-FR" smtClean="0"/>
-              <a:t>19/07/2016</a:t>
+              <a:t>20/07/2016</a:t>
             </a:fld>
             <a:endParaRPr lang="fr-BE"/>
           </a:p>
@@ -1512,7 +1513,7 @@
           <a:p>
             <a:fld id="{CF4668DC-857F-487D-BFFA-8C0CA5037977}" type="slidenum">
               <a:rPr lang="fr-BE" smtClean="0"/>
-              <a:t>‹#›</a:t>
+              <a:t>‹N°›</a:t>
             </a:fld>
             <a:endParaRPr lang="fr-BE"/>
           </a:p>
@@ -2008,7 +2009,7 @@
           <a:p>
             <a:fld id="{AA309A6D-C09C-4548-B29A-6CF363A7E532}" type="datetimeFigureOut">
               <a:rPr lang="fr-FR" smtClean="0"/>
-              <a:t>19/07/2016</a:t>
+              <a:t>20/07/2016</a:t>
             </a:fld>
             <a:endParaRPr lang="fr-BE"/>
           </a:p>
@@ -2180,7 +2181,7 @@
           <a:p>
             <a:fld id="{CF4668DC-857F-487D-BFFA-8C0CA5037977}" type="slidenum">
               <a:rPr lang="fr-BE" smtClean="0"/>
-              <a:t>‹#›</a:t>
+              <a:t>‹N°›</a:t>
             </a:fld>
             <a:endParaRPr lang="fr-BE"/>
           </a:p>
@@ -2303,7 +2304,7 @@
           <a:p>
             <a:fld id="{AA309A6D-C09C-4548-B29A-6CF363A7E532}" type="datetimeFigureOut">
               <a:rPr lang="fr-FR" smtClean="0"/>
-              <a:t>19/07/2016</a:t>
+              <a:t>20/07/2016</a:t>
             </a:fld>
             <a:endParaRPr lang="fr-BE"/>
           </a:p>
@@ -2345,7 +2346,7 @@
           <a:p>
             <a:fld id="{CF4668DC-857F-487D-BFFA-8C0CA5037977}" type="slidenum">
               <a:rPr lang="fr-BE" smtClean="0"/>
-              <a:t>‹#›</a:t>
+              <a:t>‹N°›</a:t>
             </a:fld>
             <a:endParaRPr lang="fr-BE"/>
           </a:p>
@@ -2962,7 +2963,7 @@
           <a:p>
             <a:fld id="{AA309A6D-C09C-4548-B29A-6CF363A7E532}" type="datetimeFigureOut">
               <a:rPr lang="fr-FR" smtClean="0"/>
-              <a:t>19/07/2016</a:t>
+              <a:t>20/07/2016</a:t>
             </a:fld>
             <a:endParaRPr lang="fr-BE"/>
           </a:p>
@@ -3304,7 +3305,7 @@
           <a:p>
             <a:fld id="{CF4668DC-857F-487D-BFFA-8C0CA5037977}" type="slidenum">
               <a:rPr lang="fr-BE" smtClean="0"/>
-              <a:t>‹#›</a:t>
+              <a:t>‹N°›</a:t>
             </a:fld>
             <a:endParaRPr lang="fr-BE"/>
           </a:p>
@@ -3398,7 +3399,7 @@
           <a:p>
             <a:fld id="{AA309A6D-C09C-4548-B29A-6CF363A7E532}" type="datetimeFigureOut">
               <a:rPr lang="fr-FR" smtClean="0"/>
-              <a:t>19/07/2016</a:t>
+              <a:t>20/07/2016</a:t>
             </a:fld>
             <a:endParaRPr lang="fr-BE"/>
           </a:p>
@@ -3445,7 +3446,7 @@
           <a:p>
             <a:fld id="{CF4668DC-857F-487D-BFFA-8C0CA5037977}" type="slidenum">
               <a:rPr lang="fr-BE" smtClean="0"/>
-              <a:t>‹#›</a:t>
+              <a:t>‹N°›</a:t>
             </a:fld>
             <a:endParaRPr lang="fr-BE"/>
           </a:p>
@@ -3711,7 +3712,7 @@
           <a:p>
             <a:fld id="{AA309A6D-C09C-4548-B29A-6CF363A7E532}" type="datetimeFigureOut">
               <a:rPr lang="fr-FR" smtClean="0"/>
-              <a:t>19/07/2016</a:t>
+              <a:t>20/07/2016</a:t>
             </a:fld>
             <a:endParaRPr lang="fr-BE"/>
           </a:p>
@@ -3766,7 +3767,7 @@
           <a:p>
             <a:fld id="{CF4668DC-857F-487D-BFFA-8C0CA5037977}" type="slidenum">
               <a:rPr lang="fr-BE" smtClean="0"/>
-              <a:t>‹#›</a:t>
+              <a:t>‹N°›</a:t>
             </a:fld>
             <a:endParaRPr lang="fr-BE"/>
           </a:p>
@@ -4384,7 +4385,7 @@
           <a:p>
             <a:fld id="{CF4668DC-857F-487D-BFFA-8C0CA5037977}" type="slidenum">
               <a:rPr lang="fr-BE" smtClean="0"/>
-              <a:t>‹#›</a:t>
+              <a:t>‹N°›</a:t>
             </a:fld>
             <a:endParaRPr lang="fr-BE"/>
           </a:p>
@@ -4443,7 +4444,7 @@
           <a:p>
             <a:fld id="{AA309A6D-C09C-4548-B29A-6CF363A7E532}" type="datetimeFigureOut">
               <a:rPr lang="fr-FR" smtClean="0"/>
-              <a:t>19/07/2016</a:t>
+              <a:t>20/07/2016</a:t>
             </a:fld>
             <a:endParaRPr lang="fr-BE"/>
           </a:p>
@@ -4918,7 +4919,7 @@
           <a:p>
             <a:fld id="{CF4668DC-857F-487D-BFFA-8C0CA5037977}" type="slidenum">
               <a:rPr lang="fr-BE" smtClean="0"/>
-              <a:t>‹#›</a:t>
+              <a:t>‹N°›</a:t>
             </a:fld>
             <a:endParaRPr lang="fr-BE"/>
           </a:p>
@@ -5107,7 +5108,7 @@
           <a:p>
             <a:fld id="{AA309A6D-C09C-4548-B29A-6CF363A7E532}" type="datetimeFigureOut">
               <a:rPr lang="fr-FR" smtClean="0"/>
-              <a:t>19/07/2016</a:t>
+              <a:t>20/07/2016</a:t>
             </a:fld>
             <a:endParaRPr lang="fr-BE"/>
           </a:p>
@@ -5380,7 +5381,7 @@
           <a:p>
             <a:fld id="{AA309A6D-C09C-4548-B29A-6CF363A7E532}" type="datetimeFigureOut">
               <a:rPr lang="fr-FR" smtClean="0"/>
-              <a:t>19/07/2016</a:t>
+              <a:t>20/07/2016</a:t>
             </a:fld>
             <a:endParaRPr lang="fr-BE"/>
           </a:p>
@@ -5630,7 +5631,7 @@
           <a:p>
             <a:fld id="{CF4668DC-857F-487D-BFFA-8C0CA5037977}" type="slidenum">
               <a:rPr lang="fr-BE" smtClean="0"/>
-              <a:t>‹#›</a:t>
+              <a:t>‹N°›</a:t>
             </a:fld>
             <a:endParaRPr lang="fr-BE"/>
           </a:p>
@@ -7150,7 +7151,6 @@
               <a:rPr lang="fr-FR" dirty="0"/>
               <a:t> )</a:t>
             </a:r>
-            <a:endParaRPr lang="fr-FR" dirty="0"/>
           </a:p>
         </p:txBody>
       </p:sp>
@@ -7611,6 +7611,316 @@
 </file>
 
 <file path=ppt/slides/slide5.xml><?xml version="1.0" encoding="utf-8"?>
+<p:sld xmlns:a="http://schemas.openxmlformats.org/drawingml/2006/main" xmlns:r="http://schemas.openxmlformats.org/officeDocument/2006/relationships" xmlns:p="http://schemas.openxmlformats.org/presentationml/2006/main">
+  <p:cSld>
+    <p:spTree>
+      <p:nvGrpSpPr>
+        <p:cNvPr id="1" name=""/>
+        <p:cNvGrpSpPr/>
+        <p:nvPr/>
+      </p:nvGrpSpPr>
+      <p:grpSpPr>
+        <a:xfrm>
+          <a:off x="0" y="0"/>
+          <a:ext cx="0" cy="0"/>
+          <a:chOff x="0" y="0"/>
+          <a:chExt cx="0" cy="0"/>
+        </a:xfrm>
+      </p:grpSpPr>
+      <p:sp>
+        <p:nvSpPr>
+          <p:cNvPr id="4" name="Titre 1"/>
+          <p:cNvSpPr>
+            <a:spLocks noGrp="1"/>
+          </p:cNvSpPr>
+          <p:nvPr>
+            <p:ph type="title"/>
+          </p:nvPr>
+        </p:nvSpPr>
+        <p:spPr>
+          <a:xfrm>
+            <a:off x="301752" y="228600"/>
+            <a:ext cx="8590728" cy="758952"/>
+          </a:xfrm>
+        </p:spPr>
+        <p:txBody>
+          <a:bodyPr>
+            <a:normAutofit/>
+          </a:bodyPr>
+          <a:lstStyle/>
+          <a:p>
+            <a:r>
+              <a:rPr lang="fr-FR" dirty="0" err="1" smtClean="0"/>
+              <a:t>Repeatability</a:t>
+            </a:r>
+            <a:r>
+              <a:rPr lang="fr-FR" dirty="0" smtClean="0"/>
+              <a:t>?</a:t>
+            </a:r>
+            <a:endParaRPr lang="fr-FR" dirty="0"/>
+          </a:p>
+        </p:txBody>
+      </p:sp>
+      <p:pic>
+        <p:nvPicPr>
+          <p:cNvPr id="3074" name="Picture 2"/>
+          <p:cNvPicPr>
+            <a:picLocks noChangeAspect="1" noChangeArrowheads="1"/>
+          </p:cNvPicPr>
+          <p:nvPr/>
+        </p:nvPicPr>
+        <p:blipFill>
+          <a:blip r:embed="rId2">
+            <a:extLst>
+              <a:ext uri="{28A0092B-C50C-407E-A947-70E740481C1C}">
+                <a14:useLocalDpi xmlns:a14="http://schemas.microsoft.com/office/drawing/2010/main" val="0"/>
+              </a:ext>
+            </a:extLst>
+          </a:blip>
+          <a:srcRect/>
+          <a:stretch>
+            <a:fillRect/>
+          </a:stretch>
+        </p:blipFill>
+        <p:spPr bwMode="auto">
+          <a:xfrm>
+            <a:off x="395536" y="1576536"/>
+            <a:ext cx="6502400" cy="4876800"/>
+          </a:xfrm>
+          <a:prstGeom prst="rect">
+            <a:avLst/>
+          </a:prstGeom>
+          <a:noFill/>
+          <a:ln>
+            <a:noFill/>
+          </a:ln>
+          <a:effectLst/>
+          <a:extLst>
+            <a:ext uri="{909E8E84-426E-40DD-AFC4-6F175D3DCCD1}">
+              <a14:hiddenFill xmlns:a14="http://schemas.microsoft.com/office/drawing/2010/main">
+                <a:solidFill>
+                  <a:schemeClr val="accent1"/>
+                </a:solidFill>
+              </a14:hiddenFill>
+            </a:ext>
+            <a:ext uri="{91240B29-F687-4F45-9708-019B960494DF}">
+              <a14:hiddenLine xmlns:a14="http://schemas.microsoft.com/office/drawing/2010/main" w="9525">
+                <a:solidFill>
+                  <a:schemeClr val="tx1"/>
+                </a:solidFill>
+                <a:miter lim="800000"/>
+                <a:headEnd/>
+                <a:tailEnd/>
+              </a14:hiddenLine>
+            </a:ext>
+            <a:ext uri="{AF507438-7753-43E0-B8FC-AC1667EBCBE1}">
+              <a14:hiddenEffects xmlns:a14="http://schemas.microsoft.com/office/drawing/2010/main">
+                <a:effectLst>
+                  <a:outerShdw dist="35921" dir="2700000" algn="ctr" rotWithShape="0">
+                    <a:schemeClr val="bg2"/>
+                  </a:outerShdw>
+                </a:effectLst>
+              </a14:hiddenEffects>
+            </a:ext>
+          </a:extLst>
+        </p:spPr>
+      </p:pic>
+      <p:sp>
+        <p:nvSpPr>
+          <p:cNvPr id="7" name="ZoneTexte 6"/>
+          <p:cNvSpPr txBox="1"/>
+          <p:nvPr/>
+        </p:nvSpPr>
+        <p:spPr>
+          <a:xfrm>
+            <a:off x="7092280" y="2060848"/>
+            <a:ext cx="2520280" cy="923330"/>
+          </a:xfrm>
+          <a:prstGeom prst="rect">
+            <a:avLst/>
+          </a:prstGeom>
+          <a:noFill/>
+        </p:spPr>
+        <p:txBody>
+          <a:bodyPr wrap="square" rtlCol="0">
+            <a:spAutoFit/>
+          </a:bodyPr>
+          <a:lstStyle/>
+          <a:p>
+            <a:r>
+              <a:rPr lang="fr-FR" dirty="0" err="1" smtClean="0">
+                <a:latin typeface="Cambria" pitchFamily="18" charset="0"/>
+              </a:rPr>
+              <a:t>Loop</a:t>
+            </a:r>
+            <a:r>
+              <a:rPr lang="fr-FR" dirty="0" smtClean="0">
+                <a:latin typeface="Cambria" pitchFamily="18" charset="0"/>
+              </a:rPr>
+              <a:t>: 20</a:t>
+            </a:r>
+            <a:br>
+              <a:rPr lang="fr-FR" dirty="0" smtClean="0">
+                <a:latin typeface="Cambria" pitchFamily="18" charset="0"/>
+              </a:rPr>
+            </a:br>
+            <a:r>
+              <a:rPr lang="fr-FR" dirty="0" smtClean="0">
+                <a:latin typeface="Cambria" pitchFamily="18" charset="0"/>
+              </a:rPr>
+              <a:t>i=6,3pA</a:t>
+            </a:r>
+            <a:br>
+              <a:rPr lang="fr-FR" dirty="0" smtClean="0">
+                <a:latin typeface="Cambria" pitchFamily="18" charset="0"/>
+              </a:rPr>
+            </a:br>
+            <a:endParaRPr lang="fr-FR" dirty="0">
+              <a:latin typeface="Cambria" pitchFamily="18" charset="0"/>
+            </a:endParaRPr>
+          </a:p>
+        </p:txBody>
+      </p:sp>
+      <p:sp>
+        <p:nvSpPr>
+          <p:cNvPr id="15" name="ZoneTexte 14"/>
+          <p:cNvSpPr txBox="1"/>
+          <p:nvPr/>
+        </p:nvSpPr>
+        <p:spPr>
+          <a:xfrm>
+            <a:off x="7092280" y="2708920"/>
+            <a:ext cx="1449949" cy="646331"/>
+          </a:xfrm>
+          <a:prstGeom prst="rect">
+            <a:avLst/>
+          </a:prstGeom>
+          <a:noFill/>
+        </p:spPr>
+        <p:txBody>
+          <a:bodyPr wrap="none" rtlCol="0">
+            <a:spAutoFit/>
+          </a:bodyPr>
+          <a:lstStyle/>
+          <a:p>
+            <a:r>
+              <a:rPr lang="fr-FR" dirty="0" smtClean="0">
+                <a:latin typeface="Cambria" pitchFamily="18" charset="0"/>
+              </a:rPr>
+              <a:t>Total charge:</a:t>
+            </a:r>
+            <a:br>
+              <a:rPr lang="fr-FR" dirty="0" smtClean="0">
+                <a:latin typeface="Cambria" pitchFamily="18" charset="0"/>
+              </a:rPr>
+            </a:br>
+            <a:r>
+              <a:rPr lang="fr-FR" dirty="0" smtClean="0">
+                <a:latin typeface="Cambria" pitchFamily="18" charset="0"/>
+              </a:rPr>
+              <a:t>0,24pC</a:t>
+            </a:r>
+            <a:endParaRPr lang="fr-FR" dirty="0">
+              <a:latin typeface="Cambria" pitchFamily="18" charset="0"/>
+            </a:endParaRPr>
+          </a:p>
+        </p:txBody>
+      </p:sp>
+      <p:sp>
+        <p:nvSpPr>
+          <p:cNvPr id="18" name="Flèche vers le bas 17"/>
+          <p:cNvSpPr/>
+          <p:nvPr/>
+        </p:nvSpPr>
+        <p:spPr>
+          <a:xfrm>
+            <a:off x="7664691" y="3355251"/>
+            <a:ext cx="576064" cy="693968"/>
+          </a:xfrm>
+          <a:prstGeom prst="downArrow">
+            <a:avLst/>
+          </a:prstGeom>
+        </p:spPr>
+        <p:style>
+          <a:lnRef idx="2">
+            <a:schemeClr val="accent1">
+              <a:shade val="50000"/>
+            </a:schemeClr>
+          </a:lnRef>
+          <a:fillRef idx="1">
+            <a:schemeClr val="accent1"/>
+          </a:fillRef>
+          <a:effectRef idx="0">
+            <a:schemeClr val="accent1"/>
+          </a:effectRef>
+          <a:fontRef idx="minor">
+            <a:schemeClr val="lt1"/>
+          </a:fontRef>
+        </p:style>
+        <p:txBody>
+          <a:bodyPr rtlCol="0" anchor="ctr"/>
+          <a:lstStyle/>
+          <a:p>
+            <a:pPr algn="ctr"/>
+            <a:endParaRPr lang="fr-FR"/>
+          </a:p>
+        </p:txBody>
+      </p:sp>
+      <p:sp>
+        <p:nvSpPr>
+          <p:cNvPr id="19" name="ZoneTexte 18"/>
+          <p:cNvSpPr txBox="1"/>
+          <p:nvPr/>
+        </p:nvSpPr>
+        <p:spPr>
+          <a:xfrm>
+            <a:off x="7092280" y="4149080"/>
+            <a:ext cx="1779654" cy="369332"/>
+          </a:xfrm>
+          <a:prstGeom prst="rect">
+            <a:avLst/>
+          </a:prstGeom>
+          <a:noFill/>
+        </p:spPr>
+        <p:txBody>
+          <a:bodyPr wrap="none" rtlCol="0">
+            <a:spAutoFit/>
+          </a:bodyPr>
+          <a:lstStyle/>
+          <a:p>
+            <a:r>
+              <a:rPr lang="fr-FR" dirty="0" err="1" smtClean="0"/>
+              <a:t>Hole</a:t>
+            </a:r>
+            <a:r>
+              <a:rPr lang="fr-FR" dirty="0" smtClean="0"/>
+              <a:t> size 40nm</a:t>
+            </a:r>
+            <a:endParaRPr lang="fr-FR" dirty="0"/>
+          </a:p>
+        </p:txBody>
+      </p:sp>
+    </p:spTree>
+    <p:extLst>
+      <p:ext uri="{BB962C8B-B14F-4D97-AF65-F5344CB8AC3E}">
+        <p14:creationId xmlns:p14="http://schemas.microsoft.com/office/powerpoint/2010/main" val="2345271946"/>
+      </p:ext>
+    </p:extLst>
+  </p:cSld>
+  <p:clrMapOvr>
+    <a:masterClrMapping/>
+  </p:clrMapOvr>
+  <p:timing>
+    <p:tnLst>
+      <p:par>
+        <p:cTn id="1" dur="indefinite" restart="never" nodeType="tmRoot"/>
+      </p:par>
+    </p:tnLst>
+  </p:timing>
+</p:sld>
+</file>
+
+<file path=ppt/slides/slide6.xml><?xml version="1.0" encoding="utf-8"?>
 <p:sld xmlns:a="http://schemas.openxmlformats.org/drawingml/2006/main" xmlns:r="http://schemas.openxmlformats.org/officeDocument/2006/relationships" xmlns:p="http://schemas.openxmlformats.org/presentationml/2006/main">
   <p:cSld>
     <p:spTree>
